--- a/Misc/PySpark_Tutorial/PySpark_Intro.pptx
+++ b/Misc/PySpark_Tutorial/PySpark_Intro.pptx
@@ -366,7 +366,7 @@
           <a:p>
             <a:fld id="{4AAD347D-5ACD-4C99-B74B-A9C85AD731AF}" type="datetimeFigureOut">
               <a:rPr lang="en-US" smtClean="0"/>
-              <a:t>1/24/2018</a:t>
+              <a:t>1/31/2018</a:t>
             </a:fld>
             <a:endParaRPr lang="en-US" dirty="0"/>
           </a:p>
@@ -574,7 +574,7 @@
           <a:p>
             <a:fld id="{4509A250-FF31-4206-8172-F9D3106AACB1}" type="datetimeFigureOut">
               <a:rPr lang="en-US" smtClean="0"/>
-              <a:t>1/24/2018</a:t>
+              <a:t>1/31/2018</a:t>
             </a:fld>
             <a:endParaRPr lang="en-US" dirty="0"/>
           </a:p>
@@ -830,7 +830,7 @@
           <a:p>
             <a:fld id="{4509A250-FF31-4206-8172-F9D3106AACB1}" type="datetimeFigureOut">
               <a:rPr lang="en-US" smtClean="0"/>
-              <a:t>1/24/2018</a:t>
+              <a:t>1/31/2018</a:t>
             </a:fld>
             <a:endParaRPr lang="en-US" dirty="0"/>
           </a:p>
@@ -1004,7 +1004,7 @@
           <a:p>
             <a:fld id="{4509A250-FF31-4206-8172-F9D3106AACB1}" type="datetimeFigureOut">
               <a:rPr lang="en-US" smtClean="0"/>
-              <a:t>1/24/2018</a:t>
+              <a:t>1/31/2018</a:t>
             </a:fld>
             <a:endParaRPr lang="en-US" dirty="0"/>
           </a:p>
@@ -1347,7 +1347,7 @@
           <a:p>
             <a:fld id="{9796027F-7875-4030-9381-8BD8C4F21935}" type="datetimeFigureOut">
               <a:rPr lang="en-US" smtClean="0"/>
-              <a:t>1/24/2018</a:t>
+              <a:t>1/31/2018</a:t>
             </a:fld>
             <a:endParaRPr lang="en-US" dirty="0"/>
           </a:p>
@@ -1622,7 +1622,7 @@
           <a:p>
             <a:fld id="{9796027F-7875-4030-9381-8BD8C4F21935}" type="datetimeFigureOut">
               <a:rPr lang="en-US" smtClean="0"/>
-              <a:t>1/24/2018</a:t>
+              <a:t>1/31/2018</a:t>
             </a:fld>
             <a:endParaRPr lang="en-US" dirty="0"/>
           </a:p>
@@ -2001,7 +2001,7 @@
           <a:p>
             <a:fld id="{9796027F-7875-4030-9381-8BD8C4F21935}" type="datetimeFigureOut">
               <a:rPr lang="en-US" smtClean="0"/>
-              <a:t>1/24/2018</a:t>
+              <a:t>1/31/2018</a:t>
             </a:fld>
             <a:endParaRPr lang="en-US" dirty="0"/>
           </a:p>
@@ -2119,7 +2119,7 @@
           <a:p>
             <a:fld id="{4509A250-FF31-4206-8172-F9D3106AACB1}" type="datetimeFigureOut">
               <a:rPr lang="en-US" smtClean="0"/>
-              <a:t>1/24/2018</a:t>
+              <a:t>1/31/2018</a:t>
             </a:fld>
             <a:endParaRPr lang="en-US" dirty="0"/>
           </a:p>
@@ -2290,7 +2290,7 @@
           <a:p>
             <a:fld id="{4509A250-FF31-4206-8172-F9D3106AACB1}" type="datetimeFigureOut">
               <a:rPr lang="en-US" smtClean="0"/>
-              <a:t>1/24/2018</a:t>
+              <a:t>1/31/2018</a:t>
             </a:fld>
             <a:endParaRPr lang="en-US" dirty="0"/>
           </a:p>
@@ -2644,7 +2644,7 @@
           <a:p>
             <a:fld id="{4509A250-FF31-4206-8172-F9D3106AACB1}" type="datetimeFigureOut">
               <a:rPr lang="en-US" smtClean="0"/>
-              <a:t>1/24/2018</a:t>
+              <a:t>1/31/2018</a:t>
             </a:fld>
             <a:endParaRPr lang="en-US" dirty="0"/>
           </a:p>
@@ -3026,7 +3026,7 @@
           <a:p>
             <a:fld id="{4509A250-FF31-4206-8172-F9D3106AACB1}" type="datetimeFigureOut">
               <a:rPr lang="en-US" smtClean="0"/>
-              <a:t>1/24/2018</a:t>
+              <a:t>1/31/2018</a:t>
             </a:fld>
             <a:endParaRPr lang="en-US" dirty="0"/>
           </a:p>
@@ -3313,7 +3313,7 @@
           <a:p>
             <a:fld id="{4AAD347D-5ACD-4C99-B74B-A9C85AD731AF}" type="datetimeFigureOut">
               <a:rPr lang="en-US" smtClean="0"/>
-              <a:t>1/24/2018</a:t>
+              <a:t>1/31/2018</a:t>
             </a:fld>
             <a:endParaRPr lang="en-US" dirty="0"/>
           </a:p>
@@ -4429,6 +4429,21 @@
               <a:t>Setting up a cluster is a lot more complicated</a:t>
             </a:r>
           </a:p>
+          <a:p>
+            <a:pPr lvl="1"/>
+            <a:r>
+              <a:rPr lang="en-US" dirty="0"/>
+              <a:t>Maybe use </a:t>
+            </a:r>
+            <a:r>
+              <a:rPr lang="en-US" dirty="0" err="1"/>
+              <a:t>flintrock</a:t>
+            </a:r>
+            <a:r>
+              <a:rPr lang="en-US" dirty="0"/>
+              <a:t> if setting up temporary clusters</a:t>
+            </a:r>
+          </a:p>
         </p:txBody>
       </p:sp>
     </p:spTree>
